--- a/data/output/InsightForge_Report.pptx
+++ b/data/output/InsightForge_Report.pptx
@@ -8,6 +8,9 @@
     <p:sldId id="256" r:id="rId7"/>
     <p:sldId id="257" r:id="rId8"/>
     <p:sldId id="258" r:id="rId9"/>
+    <p:sldId id="259" r:id="rId10"/>
+    <p:sldId id="260" r:id="rId11"/>
+    <p:sldId id="261" r:id="rId12"/>
   </p:sldIdLst>
   <p:sldSz cx="9144000" cy="6858000" type="screen4x3"/>
   <p:notesSz cx="6858000" cy="9144000"/>
@@ -3187,17 +3190,62 @@
           <a:lstStyle/>
           <a:p>
             <a:r>
-              <a:t>user_id: avg 491.50, change ~283.7% over the observed period.</a:t>
-            </a:r>
-          </a:p>
-          <a:p>
-            <a:r>
-              <a:t>activity: avg 0.50, change ~inf% over the observed period.</a:t>
-            </a:r>
-          </a:p>
-          <a:p>
-            <a:r>
-              <a:t>user_id is the strongest performer based on average value.</a:t>
+              <a:t>Overall activity rate: 50.4% of events are active (1).</a:t>
+            </a:r>
+          </a:p>
+          <a:p>
+            <a:r>
+              <a:t>Category 'tech_gadgets' – activity rate 55.6% across 302 events.</a:t>
+            </a:r>
+          </a:p>
+          <a:p>
+            <a:r>
+              <a:t>Category 'health_beauty' – activity rate 52.5% across 301 events.</a:t>
+            </a:r>
+          </a:p>
+          <a:p>
+            <a:r>
+              <a:t>Category 'home_decor' – activity rate 52.2% across 274 events.</a:t>
+            </a:r>
+          </a:p>
+          <a:p>
+            <a:r>
+              <a:t>Category 'food' is weaker – activity rate 50.0% across 310 events.</a:t>
+            </a:r>
+          </a:p>
+          <a:p>
+            <a:r>
+              <a:t>Category 'books' is weaker – activity rate 45.7% across 282 events.</a:t>
+            </a:r>
+          </a:p>
+          <a:p>
+            <a:r>
+              <a:t>Category 'electronics' is weaker – activity rate 45.5% across 290 events.</a:t>
+            </a:r>
+          </a:p>
+          <a:p>
+            <a:r>
+              <a:t>Keyword 'skincare' – activity rate 74.4% over 43 events.</a:t>
+            </a:r>
+          </a:p>
+          <a:p>
+            <a:r>
+              <a:t>Keyword 'sweater' – activity rate 64.9% over 37 events.</a:t>
+            </a:r>
+          </a:p>
+          <a:p>
+            <a:r>
+              <a:t>Keyword 'bike' – activity rate 63.9% over 36 events.</a:t>
+            </a:r>
+          </a:p>
+          <a:p>
+            <a:r>
+              <a:t>Keyword 'wireless speaker' – activity rate 61.9% over 42 events.</a:t>
+            </a:r>
+          </a:p>
+          <a:p>
+            <a:r>
+              <a:t>Keyword 'mirror' – activity rate 61.8% over 34 events.</a:t>
             </a:r>
           </a:p>
         </p:txBody>
@@ -3236,14 +3284,14 @@
           <a:lstStyle/>
           <a:p>
             <a:r>
-              <a:t>Numeric Summary</a:t>
+              <a:t>Events By Category</a:t>
             </a:r>
           </a:p>
         </p:txBody>
       </p:sp>
       <p:pic>
         <p:nvPicPr>
-          <p:cNvPr id="3" name="Picture 2" descr="numeric_summary.png"/>
+          <p:cNvPr id="3" name="Picture 2" descr="events_by_category.png"/>
           <p:cNvPicPr>
             <a:picLocks noChangeAspect="1"/>
           </p:cNvPicPr>
@@ -3257,7 +3305,196 @@
         </p:blipFill>
         <p:spPr>
           <a:xfrm>
-            <a:off x="914400" y="1371600"/>
+            <a:off x="914400" y="914400"/>
+            <a:ext cx="7315200" cy="3657600"/>
+          </a:xfrm>
+          <a:prstGeom prst="rect">
+            <a:avLst/>
+          </a:prstGeom>
+        </p:spPr>
+      </p:pic>
+    </p:spTree>
+  </p:cSld>
+  <p:clrMapOvr>
+    <a:masterClrMapping/>
+  </p:clrMapOvr>
+</p:sld>
+</file>
+
+<file path=ppt/slides/slide4.xml><?xml version="1.0" encoding="utf-8"?>
+<p:sld xmlns:a="http://schemas.openxmlformats.org/drawingml/2006/main" xmlns:p="http://schemas.openxmlformats.org/presentationml/2006/main" xmlns:r="http://schemas.openxmlformats.org/officeDocument/2006/relationships">
+  <p:cSld>
+    <p:spTree>
+      <p:nvGrpSpPr>
+        <p:cNvPr id="1" name=""/>
+        <p:cNvGrpSpPr/>
+        <p:nvPr/>
+      </p:nvGrpSpPr>
+      <p:grpSpPr/>
+      <p:sp>
+        <p:nvSpPr>
+          <p:cNvPr id="2" name="Title 1"/>
+          <p:cNvSpPr>
+            <a:spLocks noGrp="1"/>
+          </p:cNvSpPr>
+          <p:nvPr>
+            <p:ph type="title"/>
+          </p:nvPr>
+        </p:nvSpPr>
+        <p:spPr/>
+        <p:txBody>
+          <a:bodyPr/>
+          <a:lstStyle/>
+          <a:p>
+            <a:r>
+              <a:t>Activity Rate By Category</a:t>
+            </a:r>
+          </a:p>
+        </p:txBody>
+      </p:sp>
+      <p:pic>
+        <p:nvPicPr>
+          <p:cNvPr id="3" name="Picture 2" descr="activity_rate_by_category.png"/>
+          <p:cNvPicPr>
+            <a:picLocks noChangeAspect="1"/>
+          </p:cNvPicPr>
+          <p:nvPr/>
+        </p:nvPicPr>
+        <p:blipFill>
+          <a:blip r:embed="rId2"/>
+          <a:stretch>
+            <a:fillRect/>
+          </a:stretch>
+        </p:blipFill>
+        <p:spPr>
+          <a:xfrm>
+            <a:off x="914400" y="914400"/>
+            <a:ext cx="7315200" cy="3657600"/>
+          </a:xfrm>
+          <a:prstGeom prst="rect">
+            <a:avLst/>
+          </a:prstGeom>
+        </p:spPr>
+      </p:pic>
+    </p:spTree>
+  </p:cSld>
+  <p:clrMapOvr>
+    <a:masterClrMapping/>
+  </p:clrMapOvr>
+</p:sld>
+</file>
+
+<file path=ppt/slides/slide5.xml><?xml version="1.0" encoding="utf-8"?>
+<p:sld xmlns:a="http://schemas.openxmlformats.org/drawingml/2006/main" xmlns:p="http://schemas.openxmlformats.org/presentationml/2006/main" xmlns:r="http://schemas.openxmlformats.org/officeDocument/2006/relationships">
+  <p:cSld>
+    <p:spTree>
+      <p:nvGrpSpPr>
+        <p:cNvPr id="1" name=""/>
+        <p:cNvGrpSpPr/>
+        <p:nvPr/>
+      </p:nvGrpSpPr>
+      <p:grpSpPr/>
+      <p:sp>
+        <p:nvSpPr>
+          <p:cNvPr id="2" name="Title 1"/>
+          <p:cNvSpPr>
+            <a:spLocks noGrp="1"/>
+          </p:cNvSpPr>
+          <p:nvPr>
+            <p:ph type="title"/>
+          </p:nvPr>
+        </p:nvSpPr>
+        <p:spPr/>
+        <p:txBody>
+          <a:bodyPr/>
+          <a:lstStyle/>
+          <a:p>
+            <a:r>
+              <a:t>Top Ad Keywords</a:t>
+            </a:r>
+          </a:p>
+        </p:txBody>
+      </p:sp>
+      <p:pic>
+        <p:nvPicPr>
+          <p:cNvPr id="3" name="Picture 2" descr="top_ad_keywords.png"/>
+          <p:cNvPicPr>
+            <a:picLocks noChangeAspect="1"/>
+          </p:cNvPicPr>
+          <p:nvPr/>
+        </p:nvPicPr>
+        <p:blipFill>
+          <a:blip r:embed="rId2"/>
+          <a:stretch>
+            <a:fillRect/>
+          </a:stretch>
+        </p:blipFill>
+        <p:spPr>
+          <a:xfrm>
+            <a:off x="914400" y="914400"/>
+            <a:ext cx="7315200" cy="3657600"/>
+          </a:xfrm>
+          <a:prstGeom prst="rect">
+            <a:avLst/>
+          </a:prstGeom>
+        </p:spPr>
+      </p:pic>
+    </p:spTree>
+  </p:cSld>
+  <p:clrMapOvr>
+    <a:masterClrMapping/>
+  </p:clrMapOvr>
+</p:sld>
+</file>
+
+<file path=ppt/slides/slide6.xml><?xml version="1.0" encoding="utf-8"?>
+<p:sld xmlns:a="http://schemas.openxmlformats.org/drawingml/2006/main" xmlns:p="http://schemas.openxmlformats.org/presentationml/2006/main" xmlns:r="http://schemas.openxmlformats.org/officeDocument/2006/relationships">
+  <p:cSld>
+    <p:spTree>
+      <p:nvGrpSpPr>
+        <p:cNvPr id="1" name=""/>
+        <p:cNvGrpSpPr/>
+        <p:nvPr/>
+      </p:nvGrpSpPr>
+      <p:grpSpPr/>
+      <p:sp>
+        <p:nvSpPr>
+          <p:cNvPr id="2" name="Title 1"/>
+          <p:cNvSpPr>
+            <a:spLocks noGrp="1"/>
+          </p:cNvSpPr>
+          <p:nvPr>
+            <p:ph type="title"/>
+          </p:nvPr>
+        </p:nvSpPr>
+        <p:spPr/>
+        <p:txBody>
+          <a:bodyPr/>
+          <a:lstStyle/>
+          <a:p>
+            <a:r>
+              <a:t>User Id Over Index</a:t>
+            </a:r>
+          </a:p>
+        </p:txBody>
+      </p:sp>
+      <p:pic>
+        <p:nvPicPr>
+          <p:cNvPr id="3" name="Picture 2" descr="user_id_over_index.png"/>
+          <p:cNvPicPr>
+            <a:picLocks noChangeAspect="1"/>
+          </p:cNvPicPr>
+          <p:nvPr/>
+        </p:nvPicPr>
+        <p:blipFill>
+          <a:blip r:embed="rId2"/>
+          <a:stretch>
+            <a:fillRect/>
+          </a:stretch>
+        </p:blipFill>
+        <p:spPr>
+          <a:xfrm>
+            <a:off x="914400" y="914400"/>
             <a:ext cx="7315200" cy="3657600"/>
           </a:xfrm>
           <a:prstGeom prst="rect">

--- a/data/output/InsightForge_Report.pptx
+++ b/data/output/InsightForge_Report.pptx
@@ -11,6 +11,11 @@
     <p:sldId id="259" r:id="rId10"/>
     <p:sldId id="260" r:id="rId11"/>
     <p:sldId id="261" r:id="rId12"/>
+    <p:sldId id="262" r:id="rId13"/>
+    <p:sldId id="263" r:id="rId14"/>
+    <p:sldId id="264" r:id="rId15"/>
+    <p:sldId id="265" r:id="rId16"/>
+    <p:sldId id="266" r:id="rId17"/>
   </p:sldIdLst>
   <p:sldSz cx="9144000" cy="6858000" type="screen4x3"/>
   <p:notesSz cx="6858000" cy="9144000"/>
@@ -3108,8 +3113,15 @@
           <a:bodyPr/>
           <a:lstStyle/>
           <a:p>
-            <a:r>
-              <a:t>InsightForge Auto Report</a:t>
+            <a:pPr>
+              <a:defRPr>
+                <a:solidFill>
+                  <a:srgbClr val="1F4E79"/>
+                </a:solidFill>
+              </a:defRPr>
+            </a:pPr>
+            <a:r>
+              <a:t>InsightForge Executive Brief</a:t>
             </a:r>
           </a:p>
         </p:txBody>
@@ -3130,7 +3142,186 @@
           <a:lstStyle/>
           <a:p>
             <a:r>
-              <a:t>Generated via Insight Engine</a:t>
+              <a:t>Automated insight pack • 03 Dec 2025 14:59</a:t>
+            </a:r>
+          </a:p>
+        </p:txBody>
+      </p:sp>
+    </p:spTree>
+  </p:cSld>
+  <p:clrMapOvr>
+    <a:masterClrMapping/>
+  </p:clrMapOvr>
+</p:sld>
+</file>
+
+<file path=ppt/slides/slide10.xml><?xml version="1.0" encoding="utf-8"?>
+<p:sld xmlns:a="http://schemas.openxmlformats.org/drawingml/2006/main" xmlns:p="http://schemas.openxmlformats.org/presentationml/2006/main" xmlns:r="http://schemas.openxmlformats.org/officeDocument/2006/relationships">
+  <p:cSld>
+    <p:spTree>
+      <p:nvGrpSpPr>
+        <p:cNvPr id="1" name=""/>
+        <p:cNvGrpSpPr/>
+        <p:nvPr/>
+      </p:nvGrpSpPr>
+      <p:grpSpPr/>
+      <p:sp>
+        <p:nvSpPr>
+          <p:cNvPr id="2" name="Title 1"/>
+          <p:cNvSpPr>
+            <a:spLocks noGrp="1"/>
+          </p:cNvSpPr>
+          <p:nvPr>
+            <p:ph type="title"/>
+          </p:nvPr>
+        </p:nvSpPr>
+        <p:spPr/>
+        <p:txBody>
+          <a:bodyPr/>
+          <a:lstStyle/>
+          <a:p>
+            <a:pPr>
+              <a:defRPr>
+                <a:solidFill>
+                  <a:srgbClr val="1F4E79"/>
+                </a:solidFill>
+              </a:defRPr>
+            </a:pPr>
+            <a:r>
+              <a:t>User_Id Trajectory</a:t>
+            </a:r>
+          </a:p>
+        </p:txBody>
+      </p:sp>
+      <p:pic>
+        <p:nvPicPr>
+          <p:cNvPr id="3" name="Picture 2" descr="user_id_over_index.png"/>
+          <p:cNvPicPr>
+            <a:picLocks noChangeAspect="1"/>
+          </p:cNvPicPr>
+          <p:nvPr/>
+        </p:nvPicPr>
+        <p:blipFill>
+          <a:blip r:embed="rId2"/>
+          <a:stretch>
+            <a:fillRect/>
+          </a:stretch>
+        </p:blipFill>
+        <p:spPr>
+          <a:xfrm>
+            <a:off x="822960" y="1097280"/>
+            <a:ext cx="7315200" cy="3840480"/>
+          </a:xfrm>
+          <a:prstGeom prst="rect">
+            <a:avLst/>
+          </a:prstGeom>
+        </p:spPr>
+      </p:pic>
+      <p:sp>
+        <p:nvSpPr>
+          <p:cNvPr id="4" name="TextBox 3"/>
+          <p:cNvSpPr txBox="1"/>
+          <p:nvPr/>
+        </p:nvSpPr>
+        <p:spPr>
+          <a:xfrm>
+            <a:off x="822960" y="5669280"/>
+            <a:ext cx="7315200" cy="914400"/>
+          </a:xfrm>
+          <a:prstGeom prst="rect">
+            <a:avLst/>
+          </a:prstGeom>
+          <a:noFill/>
+        </p:spPr>
+        <p:txBody>
+          <a:bodyPr wrap="none">
+            <a:spAutoFit/>
+          </a:bodyPr>
+          <a:lstStyle/>
+          <a:p>
+            <a:pPr>
+              <a:defRPr sz="1800" i="1">
+                <a:solidFill>
+                  <a:srgbClr val="1F4E79"/>
+                </a:solidFill>
+              </a:defRPr>
+            </a:pPr>
+            <a:r>
+              <a:t>User_Id spans 1-999 with visible inflection around record 793.</a:t>
+            </a:r>
+          </a:p>
+        </p:txBody>
+      </p:sp>
+    </p:spTree>
+  </p:cSld>
+  <p:clrMapOvr>
+    <a:masterClrMapping/>
+  </p:clrMapOvr>
+</p:sld>
+</file>
+
+<file path=ppt/slides/slide11.xml><?xml version="1.0" encoding="utf-8"?>
+<p:sld xmlns:a="http://schemas.openxmlformats.org/drawingml/2006/main" xmlns:p="http://schemas.openxmlformats.org/presentationml/2006/main" xmlns:r="http://schemas.openxmlformats.org/officeDocument/2006/relationships">
+  <p:cSld>
+    <p:spTree>
+      <p:nvGrpSpPr>
+        <p:cNvPr id="1" name=""/>
+        <p:cNvGrpSpPr/>
+        <p:nvPr/>
+      </p:nvGrpSpPr>
+      <p:grpSpPr/>
+      <p:sp>
+        <p:nvSpPr>
+          <p:cNvPr id="2" name="Title 1"/>
+          <p:cNvSpPr>
+            <a:spLocks noGrp="1"/>
+          </p:cNvSpPr>
+          <p:nvPr>
+            <p:ph type="title"/>
+          </p:nvPr>
+        </p:nvSpPr>
+        <p:spPr/>
+        <p:txBody>
+          <a:bodyPr/>
+          <a:lstStyle/>
+          <a:p>
+            <a:pPr>
+              <a:defRPr>
+                <a:solidFill>
+                  <a:srgbClr val="1F4E79"/>
+                </a:solidFill>
+              </a:defRPr>
+            </a:pPr>
+            <a:r>
+              <a:t>Closing Summary</a:t>
+            </a:r>
+          </a:p>
+        </p:txBody>
+      </p:sp>
+      <p:sp>
+        <p:nvSpPr>
+          <p:cNvPr id="3" name="Content Placeholder 2"/>
+          <p:cNvSpPr>
+            <a:spLocks noGrp="1"/>
+          </p:cNvSpPr>
+          <p:nvPr>
+            <p:ph idx="1"/>
+          </p:nvPr>
+        </p:nvSpPr>
+        <p:spPr/>
+        <p:txBody>
+          <a:bodyPr/>
+          <a:lstStyle/>
+          <a:p>
+            <a:pPr>
+              <a:defRPr sz="1800">
+                <a:solidFill>
+                  <a:srgbClr val="1F4E79"/>
+                </a:solidFill>
+              </a:defRPr>
+            </a:pPr>
+            <a:r>
+              <a:t>Dataset processed successfully; see recommendations for next best actions.</a:t>
             </a:r>
           </a:p>
         </p:txBody>
@@ -3168,8 +3359,15 @@
           <a:bodyPr/>
           <a:lstStyle/>
           <a:p>
-            <a:r>
-              <a:t>Key Insights</a:t>
+            <a:pPr>
+              <a:defRPr>
+                <a:solidFill>
+                  <a:srgbClr val="1F4E79"/>
+                </a:solidFill>
+              </a:defRPr>
+            </a:pPr>
+            <a:r>
+              <a:t>Executive Overview</a:t>
             </a:r>
           </a:p>
         </p:txBody>
@@ -3189,63 +3387,15 @@
           <a:bodyPr/>
           <a:lstStyle/>
           <a:p>
-            <a:r>
-              <a:t>Overall activity rate: 50.4% of events are active (1).</a:t>
-            </a:r>
-          </a:p>
-          <a:p>
-            <a:r>
-              <a:t>Category 'tech_gadgets' – activity rate 55.6% across 302 events.</a:t>
-            </a:r>
-          </a:p>
-          <a:p>
-            <a:r>
-              <a:t>Category 'health_beauty' – activity rate 52.5% across 301 events.</a:t>
-            </a:r>
-          </a:p>
-          <a:p>
-            <a:r>
-              <a:t>Category 'home_decor' – activity rate 52.2% across 274 events.</a:t>
-            </a:r>
-          </a:p>
-          <a:p>
-            <a:r>
-              <a:t>Category 'food' is weaker – activity rate 50.0% across 310 events.</a:t>
-            </a:r>
-          </a:p>
-          <a:p>
-            <a:r>
-              <a:t>Category 'books' is weaker – activity rate 45.7% across 282 events.</a:t>
-            </a:r>
-          </a:p>
-          <a:p>
-            <a:r>
-              <a:t>Category 'electronics' is weaker – activity rate 45.5% across 290 events.</a:t>
-            </a:r>
-          </a:p>
-          <a:p>
-            <a:r>
-              <a:t>Keyword 'skincare' – activity rate 74.4% over 43 events.</a:t>
-            </a:r>
-          </a:p>
-          <a:p>
-            <a:r>
-              <a:t>Keyword 'sweater' – activity rate 64.9% over 37 events.</a:t>
-            </a:r>
-          </a:p>
-          <a:p>
-            <a:r>
-              <a:t>Keyword 'bike' – activity rate 63.9% over 36 events.</a:t>
-            </a:r>
-          </a:p>
-          <a:p>
-            <a:r>
-              <a:t>Keyword 'wireless speaker' – activity rate 61.9% over 42 events.</a:t>
-            </a:r>
-          </a:p>
-          <a:p>
-            <a:r>
-              <a:t>Keyword 'mirror' – activity rate 61.8% over 34 events.</a:t>
+            <a:pPr>
+              <a:defRPr sz="1800">
+                <a:solidFill>
+                  <a:srgbClr val="1F4E79"/>
+                </a:solidFill>
+              </a:defRPr>
+            </a:pPr>
+            <a:r>
+              <a:t>Ingested 3,000 rows covering 10 categories.</a:t>
             </a:r>
           </a:p>
         </p:txBody>
@@ -3283,36 +3433,59 @@
           <a:bodyPr/>
           <a:lstStyle/>
           <a:p>
-            <a:r>
-              <a:t>Events By Category</a:t>
-            </a:r>
-          </a:p>
-        </p:txBody>
-      </p:sp>
-      <p:pic>
-        <p:nvPicPr>
-          <p:cNvPr id="3" name="Picture 2" descr="events_by_category.png"/>
-          <p:cNvPicPr>
-            <a:picLocks noChangeAspect="1"/>
-          </p:cNvPicPr>
-          <p:nvPr/>
-        </p:nvPicPr>
-        <p:blipFill>
-          <a:blip r:embed="rId2"/>
-          <a:stretch>
-            <a:fillRect/>
-          </a:stretch>
-        </p:blipFill>
-        <p:spPr>
-          <a:xfrm>
-            <a:off x="914400" y="914400"/>
-            <a:ext cx="7315200" cy="3657600"/>
-          </a:xfrm>
-          <a:prstGeom prst="rect">
-            <a:avLst/>
-          </a:prstGeom>
-        </p:spPr>
-      </p:pic>
+            <a:pPr>
+              <a:defRPr>
+                <a:solidFill>
+                  <a:srgbClr val="1F4E79"/>
+                </a:solidFill>
+              </a:defRPr>
+            </a:pPr>
+            <a:r>
+              <a:t>Key Metrics</a:t>
+            </a:r>
+          </a:p>
+        </p:txBody>
+      </p:sp>
+      <p:sp>
+        <p:nvSpPr>
+          <p:cNvPr id="3" name="Content Placeholder 2"/>
+          <p:cNvSpPr>
+            <a:spLocks noGrp="1"/>
+          </p:cNvSpPr>
+          <p:nvPr>
+            <p:ph idx="1"/>
+          </p:nvPr>
+        </p:nvSpPr>
+        <p:spPr/>
+        <p:txBody>
+          <a:bodyPr/>
+          <a:lstStyle/>
+          <a:p>
+            <a:pPr>
+              <a:defRPr sz="1800">
+                <a:solidFill>
+                  <a:srgbClr val="1F4E79"/>
+                </a:solidFill>
+              </a:defRPr>
+            </a:pPr>
+            <a:r>
+              <a:t>Portfolio-wide activity rate sits at 50.4%.</a:t>
+            </a:r>
+          </a:p>
+          <a:p>
+            <a:pPr>
+              <a:defRPr sz="1800">
+                <a:solidFill>
+                  <a:srgbClr val="1F4E79"/>
+                </a:solidFill>
+              </a:defRPr>
+            </a:pPr>
+            <a:r>
+              <a:t>Keyword 'skincare' tops conversion at 74.4%.</a:t>
+            </a:r>
+          </a:p>
+        </p:txBody>
+      </p:sp>
     </p:spTree>
   </p:cSld>
   <p:clrMapOvr>
@@ -3346,36 +3519,47 @@
           <a:bodyPr/>
           <a:lstStyle/>
           <a:p>
-            <a:r>
-              <a:t>Activity Rate By Category</a:t>
-            </a:r>
-          </a:p>
-        </p:txBody>
-      </p:sp>
-      <p:pic>
-        <p:nvPicPr>
-          <p:cNvPr id="3" name="Picture 2" descr="activity_rate_by_category.png"/>
-          <p:cNvPicPr>
-            <a:picLocks noChangeAspect="1"/>
-          </p:cNvPicPr>
-          <p:nvPr/>
-        </p:nvPicPr>
-        <p:blipFill>
-          <a:blip r:embed="rId2"/>
-          <a:stretch>
-            <a:fillRect/>
-          </a:stretch>
-        </p:blipFill>
-        <p:spPr>
-          <a:xfrm>
-            <a:off x="914400" y="914400"/>
-            <a:ext cx="7315200" cy="3657600"/>
-          </a:xfrm>
-          <a:prstGeom prst="rect">
-            <a:avLst/>
-          </a:prstGeom>
-        </p:spPr>
-      </p:pic>
+            <a:pPr>
+              <a:defRPr>
+                <a:solidFill>
+                  <a:srgbClr val="1F4E79"/>
+                </a:solidFill>
+              </a:defRPr>
+            </a:pPr>
+            <a:r>
+              <a:t>Trend Signals</a:t>
+            </a:r>
+          </a:p>
+        </p:txBody>
+      </p:sp>
+      <p:sp>
+        <p:nvSpPr>
+          <p:cNvPr id="3" name="Content Placeholder 2"/>
+          <p:cNvSpPr>
+            <a:spLocks noGrp="1"/>
+          </p:cNvSpPr>
+          <p:nvPr>
+            <p:ph idx="1"/>
+          </p:nvPr>
+        </p:nvSpPr>
+        <p:spPr/>
+        <p:txBody>
+          <a:bodyPr/>
+          <a:lstStyle/>
+          <a:p>
+            <a:pPr>
+              <a:defRPr sz="1800">
+                <a:solidFill>
+                  <a:srgbClr val="1F4E79"/>
+                </a:solidFill>
+              </a:defRPr>
+            </a:pPr>
+            <a:r>
+              <a:t>tech_gadgets leads with 55.6% activation vs. electronics at 45.5%.</a:t>
+            </a:r>
+          </a:p>
+        </p:txBody>
+      </p:sp>
     </p:spTree>
   </p:cSld>
   <p:clrMapOvr>
@@ -3409,36 +3593,71 @@
           <a:bodyPr/>
           <a:lstStyle/>
           <a:p>
-            <a:r>
-              <a:t>Top Ad Keywords</a:t>
-            </a:r>
-          </a:p>
-        </p:txBody>
-      </p:sp>
-      <p:pic>
-        <p:nvPicPr>
-          <p:cNvPr id="3" name="Picture 2" descr="top_ad_keywords.png"/>
-          <p:cNvPicPr>
-            <a:picLocks noChangeAspect="1"/>
-          </p:cNvPicPr>
-          <p:nvPr/>
-        </p:nvPicPr>
-        <p:blipFill>
-          <a:blip r:embed="rId2"/>
-          <a:stretch>
-            <a:fillRect/>
-          </a:stretch>
-        </p:blipFill>
-        <p:spPr>
-          <a:xfrm>
-            <a:off x="914400" y="914400"/>
-            <a:ext cx="7315200" cy="3657600"/>
-          </a:xfrm>
-          <a:prstGeom prst="rect">
-            <a:avLst/>
-          </a:prstGeom>
-        </p:spPr>
-      </p:pic>
+            <a:pPr>
+              <a:defRPr>
+                <a:solidFill>
+                  <a:srgbClr val="1F4E79"/>
+                </a:solidFill>
+              </a:defRPr>
+            </a:pPr>
+            <a:r>
+              <a:t>Anomalies &amp; Watchouts</a:t>
+            </a:r>
+          </a:p>
+        </p:txBody>
+      </p:sp>
+      <p:sp>
+        <p:nvSpPr>
+          <p:cNvPr id="3" name="Content Placeholder 2"/>
+          <p:cNvSpPr>
+            <a:spLocks noGrp="1"/>
+          </p:cNvSpPr>
+          <p:nvPr>
+            <p:ph idx="1"/>
+          </p:nvPr>
+        </p:nvSpPr>
+        <p:spPr/>
+        <p:txBody>
+          <a:bodyPr/>
+          <a:lstStyle/>
+          <a:p>
+            <a:pPr>
+              <a:defRPr sz="1800">
+                <a:solidFill>
+                  <a:srgbClr val="1F4E79"/>
+                </a:solidFill>
+              </a:defRPr>
+            </a:pPr>
+            <a:r>
+              <a:t>tech_gadgets outperforms materially at 55.6% activation.</a:t>
+            </a:r>
+          </a:p>
+          <a:p>
+            <a:pPr>
+              <a:defRPr sz="1800">
+                <a:solidFill>
+                  <a:srgbClr val="1F4E79"/>
+                </a:solidFill>
+              </a:defRPr>
+            </a:pPr>
+            <a:r>
+              <a:t>books under-indexes at 45.7% activation.</a:t>
+            </a:r>
+          </a:p>
+          <a:p>
+            <a:pPr>
+              <a:defRPr sz="1800">
+                <a:solidFill>
+                  <a:srgbClr val="1F4E79"/>
+                </a:solidFill>
+              </a:defRPr>
+            </a:pPr>
+            <a:r>
+              <a:t>electronics under-indexes at 45.5% activation.</a:t>
+            </a:r>
+          </a:p>
+        </p:txBody>
+      </p:sp>
     </p:spTree>
   </p:cSld>
   <p:clrMapOvr>
@@ -3472,15 +3691,96 @@
           <a:bodyPr/>
           <a:lstStyle/>
           <a:p>
-            <a:r>
-              <a:t>User Id Over Index</a:t>
+            <a:pPr>
+              <a:defRPr>
+                <a:solidFill>
+                  <a:srgbClr val="1F4E79"/>
+                </a:solidFill>
+              </a:defRPr>
+            </a:pPr>
+            <a:r>
+              <a:t>Strategic Recommendations</a:t>
+            </a:r>
+          </a:p>
+        </p:txBody>
+      </p:sp>
+      <p:sp>
+        <p:nvSpPr>
+          <p:cNvPr id="3" name="Content Placeholder 2"/>
+          <p:cNvSpPr>
+            <a:spLocks noGrp="1"/>
+          </p:cNvSpPr>
+          <p:nvPr>
+            <p:ph idx="1"/>
+          </p:nvPr>
+        </p:nvSpPr>
+        <p:spPr/>
+        <p:txBody>
+          <a:bodyPr/>
+          <a:lstStyle/>
+          <a:p>
+            <a:pPr>
+              <a:defRPr sz="1800">
+                <a:solidFill>
+                  <a:srgbClr val="1F4E79"/>
+                </a:solidFill>
+              </a:defRPr>
+            </a:pPr>
+            <a:r>
+              <a:t>Reallocate spend from 'tour' into 'skincare' to lift ROI.</a:t>
+            </a:r>
+          </a:p>
+        </p:txBody>
+      </p:sp>
+    </p:spTree>
+  </p:cSld>
+  <p:clrMapOvr>
+    <a:masterClrMapping/>
+  </p:clrMapOvr>
+</p:sld>
+</file>
+
+<file path=ppt/slides/slide7.xml><?xml version="1.0" encoding="utf-8"?>
+<p:sld xmlns:a="http://schemas.openxmlformats.org/drawingml/2006/main" xmlns:p="http://schemas.openxmlformats.org/presentationml/2006/main" xmlns:r="http://schemas.openxmlformats.org/officeDocument/2006/relationships">
+  <p:cSld>
+    <p:spTree>
+      <p:nvGrpSpPr>
+        <p:cNvPr id="1" name=""/>
+        <p:cNvGrpSpPr/>
+        <p:nvPr/>
+      </p:nvGrpSpPr>
+      <p:grpSpPr/>
+      <p:sp>
+        <p:nvSpPr>
+          <p:cNvPr id="2" name="Title 1"/>
+          <p:cNvSpPr>
+            <a:spLocks noGrp="1"/>
+          </p:cNvSpPr>
+          <p:nvPr>
+            <p:ph type="title"/>
+          </p:nvPr>
+        </p:nvSpPr>
+        <p:spPr/>
+        <p:txBody>
+          <a:bodyPr/>
+          <a:lstStyle/>
+          <a:p>
+            <a:pPr>
+              <a:defRPr>
+                <a:solidFill>
+                  <a:srgbClr val="1F4E79"/>
+                </a:solidFill>
+              </a:defRPr>
+            </a:pPr>
+            <a:r>
+              <a:t>Events by Category</a:t>
             </a:r>
           </a:p>
         </p:txBody>
       </p:sp>
       <p:pic>
         <p:nvPicPr>
-          <p:cNvPr id="3" name="Picture 2" descr="user_id_over_index.png"/>
+          <p:cNvPr id="3" name="Picture 2" descr="events_by_category.png"/>
           <p:cNvPicPr>
             <a:picLocks noChangeAspect="1"/>
           </p:cNvPicPr>
@@ -3494,14 +3794,259 @@
         </p:blipFill>
         <p:spPr>
           <a:xfrm>
-            <a:off x="914400" y="914400"/>
-            <a:ext cx="7315200" cy="3657600"/>
+            <a:off x="822960" y="1097280"/>
+            <a:ext cx="7315200" cy="3840480"/>
           </a:xfrm>
           <a:prstGeom prst="rect">
             <a:avLst/>
           </a:prstGeom>
         </p:spPr>
       </p:pic>
+      <p:sp>
+        <p:nvSpPr>
+          <p:cNvPr id="4" name="TextBox 3"/>
+          <p:cNvSpPr txBox="1"/>
+          <p:nvPr/>
+        </p:nvSpPr>
+        <p:spPr>
+          <a:xfrm>
+            <a:off x="822960" y="5669280"/>
+            <a:ext cx="7315200" cy="914400"/>
+          </a:xfrm>
+          <a:prstGeom prst="rect">
+            <a:avLst/>
+          </a:prstGeom>
+          <a:noFill/>
+        </p:spPr>
+        <p:txBody>
+          <a:bodyPr wrap="none">
+            <a:spAutoFit/>
+          </a:bodyPr>
+          <a:lstStyle/>
+          <a:p>
+            <a:pPr>
+              <a:defRPr sz="1800" i="1">
+                <a:solidFill>
+                  <a:srgbClr val="1F4E79"/>
+                </a:solidFill>
+              </a:defRPr>
+            </a:pPr>
+            <a:r>
+              <a:t>clothing leads in engagement volume, contributing 336 logged interactions across the period.</a:t>
+            </a:r>
+          </a:p>
+        </p:txBody>
+      </p:sp>
+    </p:spTree>
+  </p:cSld>
+  <p:clrMapOvr>
+    <a:masterClrMapping/>
+  </p:clrMapOvr>
+</p:sld>
+</file>
+
+<file path=ppt/slides/slide8.xml><?xml version="1.0" encoding="utf-8"?>
+<p:sld xmlns:a="http://schemas.openxmlformats.org/drawingml/2006/main" xmlns:p="http://schemas.openxmlformats.org/presentationml/2006/main" xmlns:r="http://schemas.openxmlformats.org/officeDocument/2006/relationships">
+  <p:cSld>
+    <p:spTree>
+      <p:nvGrpSpPr>
+        <p:cNvPr id="1" name=""/>
+        <p:cNvGrpSpPr/>
+        <p:nvPr/>
+      </p:nvGrpSpPr>
+      <p:grpSpPr/>
+      <p:sp>
+        <p:nvSpPr>
+          <p:cNvPr id="2" name="Title 1"/>
+          <p:cNvSpPr>
+            <a:spLocks noGrp="1"/>
+          </p:cNvSpPr>
+          <p:nvPr>
+            <p:ph type="title"/>
+          </p:nvPr>
+        </p:nvSpPr>
+        <p:spPr/>
+        <p:txBody>
+          <a:bodyPr/>
+          <a:lstStyle/>
+          <a:p>
+            <a:pPr>
+              <a:defRPr>
+                <a:solidFill>
+                  <a:srgbClr val="1F4E79"/>
+                </a:solidFill>
+              </a:defRPr>
+            </a:pPr>
+            <a:r>
+              <a:t>Activity Rate by Category</a:t>
+            </a:r>
+          </a:p>
+        </p:txBody>
+      </p:sp>
+      <p:pic>
+        <p:nvPicPr>
+          <p:cNvPr id="3" name="Picture 2" descr="activity_rate_by_category.png"/>
+          <p:cNvPicPr>
+            <a:picLocks noChangeAspect="1"/>
+          </p:cNvPicPr>
+          <p:nvPr/>
+        </p:nvPicPr>
+        <p:blipFill>
+          <a:blip r:embed="rId2"/>
+          <a:stretch>
+            <a:fillRect/>
+          </a:stretch>
+        </p:blipFill>
+        <p:spPr>
+          <a:xfrm>
+            <a:off x="822960" y="1097280"/>
+            <a:ext cx="7315200" cy="3840480"/>
+          </a:xfrm>
+          <a:prstGeom prst="rect">
+            <a:avLst/>
+          </a:prstGeom>
+        </p:spPr>
+      </p:pic>
+      <p:sp>
+        <p:nvSpPr>
+          <p:cNvPr id="4" name="TextBox 3"/>
+          <p:cNvSpPr txBox="1"/>
+          <p:nvPr/>
+        </p:nvSpPr>
+        <p:spPr>
+          <a:xfrm>
+            <a:off x="822960" y="5669280"/>
+            <a:ext cx="7315200" cy="914400"/>
+          </a:xfrm>
+          <a:prstGeom prst="rect">
+            <a:avLst/>
+          </a:prstGeom>
+          <a:noFill/>
+        </p:spPr>
+        <p:txBody>
+          <a:bodyPr wrap="none">
+            <a:spAutoFit/>
+          </a:bodyPr>
+          <a:lstStyle/>
+          <a:p>
+            <a:pPr>
+              <a:defRPr sz="1800" i="1">
+                <a:solidFill>
+                  <a:srgbClr val="1F4E79"/>
+                </a:solidFill>
+              </a:defRPr>
+            </a:pPr>
+            <a:r>
+              <a:t>tech_gadgets converts 55.6% of impressions into active sessions; median segment trails at 50.2%.</a:t>
+            </a:r>
+          </a:p>
+        </p:txBody>
+      </p:sp>
+    </p:spTree>
+  </p:cSld>
+  <p:clrMapOvr>
+    <a:masterClrMapping/>
+  </p:clrMapOvr>
+</p:sld>
+</file>
+
+<file path=ppt/slides/slide9.xml><?xml version="1.0" encoding="utf-8"?>
+<p:sld xmlns:a="http://schemas.openxmlformats.org/drawingml/2006/main" xmlns:p="http://schemas.openxmlformats.org/presentationml/2006/main" xmlns:r="http://schemas.openxmlformats.org/officeDocument/2006/relationships">
+  <p:cSld>
+    <p:spTree>
+      <p:nvGrpSpPr>
+        <p:cNvPr id="1" name=""/>
+        <p:cNvGrpSpPr/>
+        <p:nvPr/>
+      </p:nvGrpSpPr>
+      <p:grpSpPr/>
+      <p:sp>
+        <p:nvSpPr>
+          <p:cNvPr id="2" name="Title 1"/>
+          <p:cNvSpPr>
+            <a:spLocks noGrp="1"/>
+          </p:cNvSpPr>
+          <p:nvPr>
+            <p:ph type="title"/>
+          </p:nvPr>
+        </p:nvSpPr>
+        <p:spPr/>
+        <p:txBody>
+          <a:bodyPr/>
+          <a:lstStyle/>
+          <a:p>
+            <a:pPr>
+              <a:defRPr>
+                <a:solidFill>
+                  <a:srgbClr val="1F4E79"/>
+                </a:solidFill>
+              </a:defRPr>
+            </a:pPr>
+            <a:r>
+              <a:t>Top Ad Keywords</a:t>
+            </a:r>
+          </a:p>
+        </p:txBody>
+      </p:sp>
+      <p:pic>
+        <p:nvPicPr>
+          <p:cNvPr id="3" name="Picture 2" descr="top_ad_keywords.png"/>
+          <p:cNvPicPr>
+            <a:picLocks noChangeAspect="1"/>
+          </p:cNvPicPr>
+          <p:nvPr/>
+        </p:nvPicPr>
+        <p:blipFill>
+          <a:blip r:embed="rId2"/>
+          <a:stretch>
+            <a:fillRect/>
+          </a:stretch>
+        </p:blipFill>
+        <p:spPr>
+          <a:xfrm>
+            <a:off x="822960" y="1097280"/>
+            <a:ext cx="7315200" cy="3840480"/>
+          </a:xfrm>
+          <a:prstGeom prst="rect">
+            <a:avLst/>
+          </a:prstGeom>
+        </p:spPr>
+      </p:pic>
+      <p:sp>
+        <p:nvSpPr>
+          <p:cNvPr id="4" name="TextBox 3"/>
+          <p:cNvSpPr txBox="1"/>
+          <p:nvPr/>
+        </p:nvSpPr>
+        <p:spPr>
+          <a:xfrm>
+            <a:off x="822960" y="5669280"/>
+            <a:ext cx="7315200" cy="914400"/>
+          </a:xfrm>
+          <a:prstGeom prst="rect">
+            <a:avLst/>
+          </a:prstGeom>
+          <a:noFill/>
+        </p:spPr>
+        <p:txBody>
+          <a:bodyPr wrap="none">
+            <a:spAutoFit/>
+          </a:bodyPr>
+          <a:lstStyle/>
+          <a:p>
+            <a:pPr>
+              <a:defRPr sz="1800" i="1">
+                <a:solidFill>
+                  <a:srgbClr val="1F4E79"/>
+                </a:solidFill>
+              </a:defRPr>
+            </a:pPr>
+            <a:r>
+              <a:t>'scarf' is the highest-traction creative keyword with 57 logged engagements.</a:t>
+            </a:r>
+          </a:p>
+        </p:txBody>
+      </p:sp>
     </p:spTree>
   </p:cSld>
   <p:clrMapOvr>
